--- a/Opgave.pptx
+++ b/Opgave.pptx
@@ -19537,6 +19537,46 @@
             <a:r>
               <a:rPr lang="nl-BE" sz="1400" dirty="0"/>
               <a:t>L4W</a:t>
+            </a:r>
+          </a:p>
+        </p:txBody>
+      </p:sp>
+      <p:sp>
+        <p:nvSpPr>
+          <p:cNvPr id="85" name="TextBox 84">
+            <a:extLst>
+              <a:ext uri="{FF2B5EF4-FFF2-40B4-BE49-F238E27FC236}">
+                <a16:creationId xmlns:a16="http://schemas.microsoft.com/office/drawing/2014/main" id="{BB5B038B-2218-49E3-AAEA-4C144F0E7902}"/>
+              </a:ext>
+            </a:extLst>
+          </p:cNvPr>
+          <p:cNvSpPr txBox="1"/>
+          <p:nvPr/>
+        </p:nvSpPr>
+        <p:spPr>
+          <a:xfrm>
+            <a:off x="3628412" y="448646"/>
+            <a:ext cx="439532" cy="307773"/>
+          </a:xfrm>
+          <a:prstGeom prst="rect">
+            <a:avLst/>
+          </a:prstGeom>
+          <a:noFill/>
+          <a:ln w="12700">
+            <a:solidFill>
+              <a:schemeClr val="tx1"/>
+            </a:solidFill>
+          </a:ln>
+        </p:spPr>
+        <p:txBody>
+          <a:bodyPr wrap="none" lIns="91434" tIns="45718" rIns="91434" bIns="45718" rtlCol="0">
+            <a:spAutoFit/>
+          </a:bodyPr>
+          <a:lstStyle/>
+          <a:p>
+            <a:r>
+              <a:rPr lang="nl-BE" sz="1400" dirty="0"/>
+              <a:t>L1E</a:t>
             </a:r>
           </a:p>
         </p:txBody>
